--- a/Figures/perceptron.pptx
+++ b/Figures/perceptron.pptx
@@ -288,7 +288,7 @@
           <a:p>
             <a:fld id="{081DA087-9DF7-4335-9A01-2C645E811B5F}" type="datetimeFigureOut">
               <a:rPr lang="en-US" smtClean="0"/>
-              <a:t>7/4/2014</a:t>
+              <a:t>7/9/2014</a:t>
             </a:fld>
             <a:endParaRPr lang="en-US"/>
           </a:p>
@@ -458,7 +458,7 @@
           <a:p>
             <a:fld id="{081DA087-9DF7-4335-9A01-2C645E811B5F}" type="datetimeFigureOut">
               <a:rPr lang="en-US" smtClean="0"/>
-              <a:t>7/4/2014</a:t>
+              <a:t>7/9/2014</a:t>
             </a:fld>
             <a:endParaRPr lang="en-US"/>
           </a:p>
@@ -638,7 +638,7 @@
           <a:p>
             <a:fld id="{081DA087-9DF7-4335-9A01-2C645E811B5F}" type="datetimeFigureOut">
               <a:rPr lang="en-US" smtClean="0"/>
-              <a:t>7/4/2014</a:t>
+              <a:t>7/9/2014</a:t>
             </a:fld>
             <a:endParaRPr lang="en-US"/>
           </a:p>
@@ -808,7 +808,7 @@
           <a:p>
             <a:fld id="{081DA087-9DF7-4335-9A01-2C645E811B5F}" type="datetimeFigureOut">
               <a:rPr lang="en-US" smtClean="0"/>
-              <a:t>7/4/2014</a:t>
+              <a:t>7/9/2014</a:t>
             </a:fld>
             <a:endParaRPr lang="en-US"/>
           </a:p>
@@ -1054,7 +1054,7 @@
           <a:p>
             <a:fld id="{081DA087-9DF7-4335-9A01-2C645E811B5F}" type="datetimeFigureOut">
               <a:rPr lang="en-US" smtClean="0"/>
-              <a:t>7/4/2014</a:t>
+              <a:t>7/9/2014</a:t>
             </a:fld>
             <a:endParaRPr lang="en-US"/>
           </a:p>
@@ -1342,7 +1342,7 @@
           <a:p>
             <a:fld id="{081DA087-9DF7-4335-9A01-2C645E811B5F}" type="datetimeFigureOut">
               <a:rPr lang="en-US" smtClean="0"/>
-              <a:t>7/4/2014</a:t>
+              <a:t>7/9/2014</a:t>
             </a:fld>
             <a:endParaRPr lang="en-US"/>
           </a:p>
@@ -1764,7 +1764,7 @@
           <a:p>
             <a:fld id="{081DA087-9DF7-4335-9A01-2C645E811B5F}" type="datetimeFigureOut">
               <a:rPr lang="en-US" smtClean="0"/>
-              <a:t>7/4/2014</a:t>
+              <a:t>7/9/2014</a:t>
             </a:fld>
             <a:endParaRPr lang="en-US"/>
           </a:p>
@@ -1882,7 +1882,7 @@
           <a:p>
             <a:fld id="{081DA087-9DF7-4335-9A01-2C645E811B5F}" type="datetimeFigureOut">
               <a:rPr lang="en-US" smtClean="0"/>
-              <a:t>7/4/2014</a:t>
+              <a:t>7/9/2014</a:t>
             </a:fld>
             <a:endParaRPr lang="en-US"/>
           </a:p>
@@ -1977,7 +1977,7 @@
           <a:p>
             <a:fld id="{081DA087-9DF7-4335-9A01-2C645E811B5F}" type="datetimeFigureOut">
               <a:rPr lang="en-US" smtClean="0"/>
-              <a:t>7/4/2014</a:t>
+              <a:t>7/9/2014</a:t>
             </a:fld>
             <a:endParaRPr lang="en-US"/>
           </a:p>
@@ -2254,7 +2254,7 @@
           <a:p>
             <a:fld id="{081DA087-9DF7-4335-9A01-2C645E811B5F}" type="datetimeFigureOut">
               <a:rPr lang="en-US" smtClean="0"/>
-              <a:t>7/4/2014</a:t>
+              <a:t>7/9/2014</a:t>
             </a:fld>
             <a:endParaRPr lang="en-US"/>
           </a:p>
@@ -2507,7 +2507,7 @@
           <a:p>
             <a:fld id="{081DA087-9DF7-4335-9A01-2C645E811B5F}" type="datetimeFigureOut">
               <a:rPr lang="en-US" smtClean="0"/>
-              <a:t>7/4/2014</a:t>
+              <a:t>7/9/2014</a:t>
             </a:fld>
             <a:endParaRPr lang="en-US"/>
           </a:p>
@@ -2720,7 +2720,7 @@
           <a:p>
             <a:fld id="{081DA087-9DF7-4335-9A01-2C645E811B5F}" type="datetimeFigureOut">
               <a:rPr lang="en-US" smtClean="0"/>
-              <a:t>7/4/2014</a:t>
+              <a:t>7/9/2014</a:t>
             </a:fld>
             <a:endParaRPr lang="en-US"/>
           </a:p>
@@ -3566,13 +3566,14 @@
           <a:lstStyle/>
           <a:p>
             <a:r>
-              <a:rPr lang="en-US" dirty="0" smtClean="0"/>
+              <a:rPr lang="en-US" dirty="0" err="1" smtClean="0"/>
               <a:t>w</a:t>
             </a:r>
             <a:r>
-              <a:rPr lang="en-US" baseline="-25000" dirty="0" smtClean="0"/>
-              <a:t>0</a:t>
-            </a:r>
+              <a:rPr lang="en-US" baseline="-25000" dirty="0" err="1"/>
+              <a:t>n</a:t>
+            </a:r>
+            <a:endParaRPr lang="en-US" baseline="-25000" dirty="0" smtClean="0"/>
           </a:p>
         </p:txBody>
       </p:sp>
@@ -3678,13 +3679,14 @@
           <a:lstStyle/>
           <a:p>
             <a:r>
-              <a:rPr lang="en-US" dirty="0" smtClean="0"/>
+              <a:rPr lang="en-US" dirty="0" err="1" smtClean="0"/>
               <a:t>h</a:t>
             </a:r>
             <a:r>
-              <a:rPr lang="en-US" baseline="-25000" dirty="0" smtClean="0"/>
-              <a:t>0</a:t>
-            </a:r>
+              <a:rPr lang="en-US" baseline="-25000" dirty="0" err="1"/>
+              <a:t>n</a:t>
+            </a:r>
+            <a:endParaRPr lang="en-US" baseline="-25000" dirty="0" smtClean="0"/>
           </a:p>
         </p:txBody>
       </p:sp>
@@ -3753,7 +3755,6 @@
               <a:rPr lang="en-US" sz="3200" b="1" baseline="-25000" dirty="0" smtClean="0"/>
               <a:t>……</a:t>
             </a:r>
-            <a:endParaRPr lang="en-US" sz="3200" b="1" baseline="-25000" dirty="0" smtClean="0"/>
           </a:p>
         </p:txBody>
       </p:sp>

--- a/Figures/perceptron.pptx
+++ b/Figures/perceptron.pptx
@@ -288,7 +288,7 @@
           <a:p>
             <a:fld id="{081DA087-9DF7-4335-9A01-2C645E811B5F}" type="datetimeFigureOut">
               <a:rPr lang="en-US" smtClean="0"/>
-              <a:t>7/9/2014</a:t>
+              <a:t>7/22/2014</a:t>
             </a:fld>
             <a:endParaRPr lang="en-US"/>
           </a:p>
@@ -458,7 +458,7 @@
           <a:p>
             <a:fld id="{081DA087-9DF7-4335-9A01-2C645E811B5F}" type="datetimeFigureOut">
               <a:rPr lang="en-US" smtClean="0"/>
-              <a:t>7/9/2014</a:t>
+              <a:t>7/22/2014</a:t>
             </a:fld>
             <a:endParaRPr lang="en-US"/>
           </a:p>
@@ -638,7 +638,7 @@
           <a:p>
             <a:fld id="{081DA087-9DF7-4335-9A01-2C645E811B5F}" type="datetimeFigureOut">
               <a:rPr lang="en-US" smtClean="0"/>
-              <a:t>7/9/2014</a:t>
+              <a:t>7/22/2014</a:t>
             </a:fld>
             <a:endParaRPr lang="en-US"/>
           </a:p>
@@ -808,7 +808,7 @@
           <a:p>
             <a:fld id="{081DA087-9DF7-4335-9A01-2C645E811B5F}" type="datetimeFigureOut">
               <a:rPr lang="en-US" smtClean="0"/>
-              <a:t>7/9/2014</a:t>
+              <a:t>7/22/2014</a:t>
             </a:fld>
             <a:endParaRPr lang="en-US"/>
           </a:p>
@@ -1054,7 +1054,7 @@
           <a:p>
             <a:fld id="{081DA087-9DF7-4335-9A01-2C645E811B5F}" type="datetimeFigureOut">
               <a:rPr lang="en-US" smtClean="0"/>
-              <a:t>7/9/2014</a:t>
+              <a:t>7/22/2014</a:t>
             </a:fld>
             <a:endParaRPr lang="en-US"/>
           </a:p>
@@ -1342,7 +1342,7 @@
           <a:p>
             <a:fld id="{081DA087-9DF7-4335-9A01-2C645E811B5F}" type="datetimeFigureOut">
               <a:rPr lang="en-US" smtClean="0"/>
-              <a:t>7/9/2014</a:t>
+              <a:t>7/22/2014</a:t>
             </a:fld>
             <a:endParaRPr lang="en-US"/>
           </a:p>
@@ -1764,7 +1764,7 @@
           <a:p>
             <a:fld id="{081DA087-9DF7-4335-9A01-2C645E811B5F}" type="datetimeFigureOut">
               <a:rPr lang="en-US" smtClean="0"/>
-              <a:t>7/9/2014</a:t>
+              <a:t>7/22/2014</a:t>
             </a:fld>
             <a:endParaRPr lang="en-US"/>
           </a:p>
@@ -1882,7 +1882,7 @@
           <a:p>
             <a:fld id="{081DA087-9DF7-4335-9A01-2C645E811B5F}" type="datetimeFigureOut">
               <a:rPr lang="en-US" smtClean="0"/>
-              <a:t>7/9/2014</a:t>
+              <a:t>7/22/2014</a:t>
             </a:fld>
             <a:endParaRPr lang="en-US"/>
           </a:p>
@@ -1977,7 +1977,7 @@
           <a:p>
             <a:fld id="{081DA087-9DF7-4335-9A01-2C645E811B5F}" type="datetimeFigureOut">
               <a:rPr lang="en-US" smtClean="0"/>
-              <a:t>7/9/2014</a:t>
+              <a:t>7/22/2014</a:t>
             </a:fld>
             <a:endParaRPr lang="en-US"/>
           </a:p>
@@ -2254,7 +2254,7 @@
           <a:p>
             <a:fld id="{081DA087-9DF7-4335-9A01-2C645E811B5F}" type="datetimeFigureOut">
               <a:rPr lang="en-US" smtClean="0"/>
-              <a:t>7/9/2014</a:t>
+              <a:t>7/22/2014</a:t>
             </a:fld>
             <a:endParaRPr lang="en-US"/>
           </a:p>
@@ -2507,7 +2507,7 @@
           <a:p>
             <a:fld id="{081DA087-9DF7-4335-9A01-2C645E811B5F}" type="datetimeFigureOut">
               <a:rPr lang="en-US" smtClean="0"/>
-              <a:t>7/9/2014</a:t>
+              <a:t>7/22/2014</a:t>
             </a:fld>
             <a:endParaRPr lang="en-US"/>
           </a:p>
@@ -2720,7 +2720,7 @@
           <a:p>
             <a:fld id="{081DA087-9DF7-4335-9A01-2C645E811B5F}" type="datetimeFigureOut">
               <a:rPr lang="en-US" smtClean="0"/>
-              <a:t>7/9/2014</a:t>
+              <a:t>7/22/2014</a:t>
             </a:fld>
             <a:endParaRPr lang="en-US"/>
           </a:p>
@@ -3109,6 +3109,7 @@
           <a:prstGeom prst="rect">
             <a:avLst/>
           </a:prstGeom>
+          <a:ln/>
         </p:spPr>
         <p:style>
           <a:lnRef idx="0">
@@ -3369,6 +3370,7 @@
           <a:prstGeom prst="ellipse">
             <a:avLst/>
           </a:prstGeom>
+          <a:ln/>
         </p:spPr>
         <p:style>
           <a:lnRef idx="1">
@@ -3591,6 +3593,7 @@
           <a:prstGeom prst="ellipse">
             <a:avLst/>
           </a:prstGeom>
+          <a:ln/>
         </p:spPr>
         <p:style>
           <a:lnRef idx="1">
@@ -3683,7 +3686,7 @@
               <a:t>h</a:t>
             </a:r>
             <a:r>
-              <a:rPr lang="en-US" baseline="-25000" dirty="0" err="1"/>
+              <a:rPr lang="en-US" baseline="-25000" dirty="0" err="1" smtClean="0"/>
               <a:t>n</a:t>
             </a:r>
             <a:endParaRPr lang="en-US" baseline="-25000" dirty="0" smtClean="0"/>
@@ -3774,6 +3777,7 @@
               <a:gd name="adj" fmla="val 100555"/>
             </a:avLst>
           </a:prstGeom>
+          <a:ln/>
         </p:spPr>
         <p:style>
           <a:lnRef idx="1">

--- a/Figures/perceptron.pptx
+++ b/Figures/perceptron.pptx
@@ -288,7 +288,7 @@
           <a:p>
             <a:fld id="{081DA087-9DF7-4335-9A01-2C645E811B5F}" type="datetimeFigureOut">
               <a:rPr lang="en-US" smtClean="0"/>
-              <a:t>7/22/2014</a:t>
+              <a:t>7/24/2014</a:t>
             </a:fld>
             <a:endParaRPr lang="en-US"/>
           </a:p>
@@ -458,7 +458,7 @@
           <a:p>
             <a:fld id="{081DA087-9DF7-4335-9A01-2C645E811B5F}" type="datetimeFigureOut">
               <a:rPr lang="en-US" smtClean="0"/>
-              <a:t>7/22/2014</a:t>
+              <a:t>7/24/2014</a:t>
             </a:fld>
             <a:endParaRPr lang="en-US"/>
           </a:p>
@@ -638,7 +638,7 @@
           <a:p>
             <a:fld id="{081DA087-9DF7-4335-9A01-2C645E811B5F}" type="datetimeFigureOut">
               <a:rPr lang="en-US" smtClean="0"/>
-              <a:t>7/22/2014</a:t>
+              <a:t>7/24/2014</a:t>
             </a:fld>
             <a:endParaRPr lang="en-US"/>
           </a:p>
@@ -808,7 +808,7 @@
           <a:p>
             <a:fld id="{081DA087-9DF7-4335-9A01-2C645E811B5F}" type="datetimeFigureOut">
               <a:rPr lang="en-US" smtClean="0"/>
-              <a:t>7/22/2014</a:t>
+              <a:t>7/24/2014</a:t>
             </a:fld>
             <a:endParaRPr lang="en-US"/>
           </a:p>
@@ -1054,7 +1054,7 @@
           <a:p>
             <a:fld id="{081DA087-9DF7-4335-9A01-2C645E811B5F}" type="datetimeFigureOut">
               <a:rPr lang="en-US" smtClean="0"/>
-              <a:t>7/22/2014</a:t>
+              <a:t>7/24/2014</a:t>
             </a:fld>
             <a:endParaRPr lang="en-US"/>
           </a:p>
@@ -1342,7 +1342,7 @@
           <a:p>
             <a:fld id="{081DA087-9DF7-4335-9A01-2C645E811B5F}" type="datetimeFigureOut">
               <a:rPr lang="en-US" smtClean="0"/>
-              <a:t>7/22/2014</a:t>
+              <a:t>7/24/2014</a:t>
             </a:fld>
             <a:endParaRPr lang="en-US"/>
           </a:p>
@@ -1764,7 +1764,7 @@
           <a:p>
             <a:fld id="{081DA087-9DF7-4335-9A01-2C645E811B5F}" type="datetimeFigureOut">
               <a:rPr lang="en-US" smtClean="0"/>
-              <a:t>7/22/2014</a:t>
+              <a:t>7/24/2014</a:t>
             </a:fld>
             <a:endParaRPr lang="en-US"/>
           </a:p>
@@ -1882,7 +1882,7 @@
           <a:p>
             <a:fld id="{081DA087-9DF7-4335-9A01-2C645E811B5F}" type="datetimeFigureOut">
               <a:rPr lang="en-US" smtClean="0"/>
-              <a:t>7/22/2014</a:t>
+              <a:t>7/24/2014</a:t>
             </a:fld>
             <a:endParaRPr lang="en-US"/>
           </a:p>
@@ -1977,7 +1977,7 @@
           <a:p>
             <a:fld id="{081DA087-9DF7-4335-9A01-2C645E811B5F}" type="datetimeFigureOut">
               <a:rPr lang="en-US" smtClean="0"/>
-              <a:t>7/22/2014</a:t>
+              <a:t>7/24/2014</a:t>
             </a:fld>
             <a:endParaRPr lang="en-US"/>
           </a:p>
@@ -2254,7 +2254,7 @@
           <a:p>
             <a:fld id="{081DA087-9DF7-4335-9A01-2C645E811B5F}" type="datetimeFigureOut">
               <a:rPr lang="en-US" smtClean="0"/>
-              <a:t>7/22/2014</a:t>
+              <a:t>7/24/2014</a:t>
             </a:fld>
             <a:endParaRPr lang="en-US"/>
           </a:p>
@@ -2507,7 +2507,7 @@
           <a:p>
             <a:fld id="{081DA087-9DF7-4335-9A01-2C645E811B5F}" type="datetimeFigureOut">
               <a:rPr lang="en-US" smtClean="0"/>
-              <a:t>7/22/2014</a:t>
+              <a:t>7/24/2014</a:t>
             </a:fld>
             <a:endParaRPr lang="en-US"/>
           </a:p>
@@ -2720,7 +2720,7 @@
           <a:p>
             <a:fld id="{081DA087-9DF7-4335-9A01-2C645E811B5F}" type="datetimeFigureOut">
               <a:rPr lang="en-US" smtClean="0"/>
-              <a:t>7/22/2014</a:t>
+              <a:t>7/24/2014</a:t>
             </a:fld>
             <a:endParaRPr lang="en-US"/>
           </a:p>
@@ -3373,17 +3373,17 @@
           <a:ln/>
         </p:spPr>
         <p:style>
-          <a:lnRef idx="1">
+          <a:lnRef idx="0">
             <a:schemeClr val="accent1"/>
           </a:lnRef>
-          <a:fillRef idx="2">
+          <a:fillRef idx="3">
             <a:schemeClr val="accent1"/>
           </a:fillRef>
-          <a:effectRef idx="1">
+          <a:effectRef idx="3">
             <a:schemeClr val="accent1"/>
           </a:effectRef>
           <a:fontRef idx="minor">
-            <a:schemeClr val="dk1"/>
+            <a:schemeClr val="lt1"/>
           </a:fontRef>
         </p:style>
         <p:txBody>
@@ -3392,7 +3392,11 @@
           <a:p>
             <a:pPr algn="ctr"/>
             <a:r>
-              <a:rPr lang="en-US" dirty="0" smtClean="0"/>
+              <a:rPr lang="en-US" dirty="0" smtClean="0">
+                <a:solidFill>
+                  <a:schemeClr val="tx1"/>
+                </a:solidFill>
+              </a:rPr>
               <a:t>X</a:t>
             </a:r>
           </a:p>
@@ -3459,8 +3463,8 @@
           <a:lstStyle/>
           <a:p>
             <a:r>
-              <a:rPr lang="en-US" dirty="0" smtClean="0"/>
-              <a:t>h</a:t>
+              <a:rPr lang="en-US" dirty="0"/>
+              <a:t>G</a:t>
             </a:r>
             <a:r>
               <a:rPr lang="en-US" baseline="-25000" dirty="0" smtClean="0"/>
@@ -3573,7 +3577,7 @@
             </a:r>
             <a:r>
               <a:rPr lang="en-US" baseline="-25000" dirty="0" err="1"/>
-              <a:t>n</a:t>
+              <a:t>h</a:t>
             </a:r>
             <a:endParaRPr lang="en-US" baseline="-25000" dirty="0" smtClean="0"/>
           </a:p>
@@ -3596,17 +3600,17 @@
           <a:ln/>
         </p:spPr>
         <p:style>
-          <a:lnRef idx="1">
+          <a:lnRef idx="0">
             <a:schemeClr val="accent1"/>
           </a:lnRef>
-          <a:fillRef idx="2">
+          <a:fillRef idx="3">
             <a:schemeClr val="accent1"/>
           </a:fillRef>
-          <a:effectRef idx="1">
+          <a:effectRef idx="3">
             <a:schemeClr val="accent1"/>
           </a:effectRef>
           <a:fontRef idx="minor">
-            <a:schemeClr val="dk1"/>
+            <a:schemeClr val="lt1"/>
           </a:fontRef>
         </p:style>
         <p:txBody>
@@ -3615,7 +3619,11 @@
           <a:p>
             <a:pPr algn="ctr"/>
             <a:r>
-              <a:rPr lang="en-US" dirty="0" smtClean="0"/>
+              <a:rPr lang="en-US" dirty="0" smtClean="0">
+                <a:solidFill>
+                  <a:schemeClr val="tx1"/>
+                </a:solidFill>
+              </a:rPr>
               <a:t>X</a:t>
             </a:r>
           </a:p>
@@ -3683,11 +3691,11 @@
           <a:p>
             <a:r>
               <a:rPr lang="en-US" dirty="0" err="1" smtClean="0"/>
+              <a:t>G</a:t>
+            </a:r>
+            <a:r>
+              <a:rPr lang="en-US" baseline="-25000" dirty="0" err="1" smtClean="0"/>
               <a:t>h</a:t>
-            </a:r>
-            <a:r>
-              <a:rPr lang="en-US" baseline="-25000" dirty="0" err="1" smtClean="0"/>
-              <a:t>n</a:t>
             </a:r>
             <a:endParaRPr lang="en-US" baseline="-25000" dirty="0" smtClean="0"/>
           </a:p>
@@ -3780,17 +3788,17 @@
           <a:ln/>
         </p:spPr>
         <p:style>
-          <a:lnRef idx="1">
+          <a:lnRef idx="0">
             <a:schemeClr val="accent1"/>
           </a:lnRef>
-          <a:fillRef idx="2">
+          <a:fillRef idx="3">
             <a:schemeClr val="accent1"/>
           </a:fillRef>
-          <a:effectRef idx="1">
+          <a:effectRef idx="3">
             <a:schemeClr val="accent1"/>
           </a:effectRef>
           <a:fontRef idx="minor">
-            <a:schemeClr val="dk1"/>
+            <a:schemeClr val="lt1"/>
           </a:fontRef>
         </p:style>
         <p:txBody>
@@ -3799,10 +3807,18 @@
           <a:p>
             <a:pPr algn="ctr"/>
             <a:r>
-              <a:rPr lang="en-US" sz="3200" dirty="0" smtClean="0"/>
+              <a:rPr lang="en-US" sz="3200" dirty="0" smtClean="0">
+                <a:solidFill>
+                  <a:schemeClr val="tx1"/>
+                </a:solidFill>
+              </a:rPr>
               <a:t>+</a:t>
             </a:r>
-            <a:endParaRPr lang="en-US" sz="3200" dirty="0"/>
+            <a:endParaRPr lang="en-US" sz="3200" dirty="0">
+              <a:solidFill>
+                <a:schemeClr val="tx1"/>
+              </a:solidFill>
+            </a:endParaRPr>
           </a:p>
         </p:txBody>
       </p:sp>

--- a/Figures/perceptron.pptx
+++ b/Figures/perceptron.pptx
@@ -288,7 +288,7 @@
           <a:p>
             <a:fld id="{081DA087-9DF7-4335-9A01-2C645E811B5F}" type="datetimeFigureOut">
               <a:rPr lang="en-US" smtClean="0"/>
-              <a:t>7/24/2014</a:t>
+              <a:t>9/9/2014</a:t>
             </a:fld>
             <a:endParaRPr lang="en-US"/>
           </a:p>
@@ -458,7 +458,7 @@
           <a:p>
             <a:fld id="{081DA087-9DF7-4335-9A01-2C645E811B5F}" type="datetimeFigureOut">
               <a:rPr lang="en-US" smtClean="0"/>
-              <a:t>7/24/2014</a:t>
+              <a:t>9/9/2014</a:t>
             </a:fld>
             <a:endParaRPr lang="en-US"/>
           </a:p>
@@ -638,7 +638,7 @@
           <a:p>
             <a:fld id="{081DA087-9DF7-4335-9A01-2C645E811B5F}" type="datetimeFigureOut">
               <a:rPr lang="en-US" smtClean="0"/>
-              <a:t>7/24/2014</a:t>
+              <a:t>9/9/2014</a:t>
             </a:fld>
             <a:endParaRPr lang="en-US"/>
           </a:p>
@@ -808,7 +808,7 @@
           <a:p>
             <a:fld id="{081DA087-9DF7-4335-9A01-2C645E811B5F}" type="datetimeFigureOut">
               <a:rPr lang="en-US" smtClean="0"/>
-              <a:t>7/24/2014</a:t>
+              <a:t>9/9/2014</a:t>
             </a:fld>
             <a:endParaRPr lang="en-US"/>
           </a:p>
@@ -1054,7 +1054,7 @@
           <a:p>
             <a:fld id="{081DA087-9DF7-4335-9A01-2C645E811B5F}" type="datetimeFigureOut">
               <a:rPr lang="en-US" smtClean="0"/>
-              <a:t>7/24/2014</a:t>
+              <a:t>9/9/2014</a:t>
             </a:fld>
             <a:endParaRPr lang="en-US"/>
           </a:p>
@@ -1342,7 +1342,7 @@
           <a:p>
             <a:fld id="{081DA087-9DF7-4335-9A01-2C645E811B5F}" type="datetimeFigureOut">
               <a:rPr lang="en-US" smtClean="0"/>
-              <a:t>7/24/2014</a:t>
+              <a:t>9/9/2014</a:t>
             </a:fld>
             <a:endParaRPr lang="en-US"/>
           </a:p>
@@ -1764,7 +1764,7 @@
           <a:p>
             <a:fld id="{081DA087-9DF7-4335-9A01-2C645E811B5F}" type="datetimeFigureOut">
               <a:rPr lang="en-US" smtClean="0"/>
-              <a:t>7/24/2014</a:t>
+              <a:t>9/9/2014</a:t>
             </a:fld>
             <a:endParaRPr lang="en-US"/>
           </a:p>
@@ -1882,7 +1882,7 @@
           <a:p>
             <a:fld id="{081DA087-9DF7-4335-9A01-2C645E811B5F}" type="datetimeFigureOut">
               <a:rPr lang="en-US" smtClean="0"/>
-              <a:t>7/24/2014</a:t>
+              <a:t>9/9/2014</a:t>
             </a:fld>
             <a:endParaRPr lang="en-US"/>
           </a:p>
@@ -1977,7 +1977,7 @@
           <a:p>
             <a:fld id="{081DA087-9DF7-4335-9A01-2C645E811B5F}" type="datetimeFigureOut">
               <a:rPr lang="en-US" smtClean="0"/>
-              <a:t>7/24/2014</a:t>
+              <a:t>9/9/2014</a:t>
             </a:fld>
             <a:endParaRPr lang="en-US"/>
           </a:p>
@@ -2254,7 +2254,7 @@
           <a:p>
             <a:fld id="{081DA087-9DF7-4335-9A01-2C645E811B5F}" type="datetimeFigureOut">
               <a:rPr lang="en-US" smtClean="0"/>
-              <a:t>7/24/2014</a:t>
+              <a:t>9/9/2014</a:t>
             </a:fld>
             <a:endParaRPr lang="en-US"/>
           </a:p>
@@ -2507,7 +2507,7 @@
           <a:p>
             <a:fld id="{081DA087-9DF7-4335-9A01-2C645E811B5F}" type="datetimeFigureOut">
               <a:rPr lang="en-US" smtClean="0"/>
-              <a:t>7/24/2014</a:t>
+              <a:t>9/9/2014</a:t>
             </a:fld>
             <a:endParaRPr lang="en-US"/>
           </a:p>
@@ -2720,7 +2720,7 @@
           <a:p>
             <a:fld id="{081DA087-9DF7-4335-9A01-2C645E811B5F}" type="datetimeFigureOut">
               <a:rPr lang="en-US" smtClean="0"/>
-              <a:t>7/24/2014</a:t>
+              <a:t>9/9/2014</a:t>
             </a:fld>
             <a:endParaRPr lang="en-US"/>
           </a:p>
@@ -3103,8 +3103,8 @@
         </p:nvSpPr>
         <p:spPr>
           <a:xfrm>
-            <a:off x="1524000" y="1295400"/>
-            <a:ext cx="2133600" cy="2271700"/>
+            <a:off x="1257300" y="1219200"/>
+            <a:ext cx="2400300" cy="2347900"/>
           </a:xfrm>
           <a:prstGeom prst="rect">
             <a:avLst/>
@@ -3142,8 +3142,8 @@
         </p:nvSpPr>
         <p:spPr>
           <a:xfrm>
-            <a:off x="1524000" y="1600200"/>
-            <a:ext cx="2133600" cy="304800"/>
+            <a:off x="1257300" y="1524000"/>
+            <a:ext cx="2400300" cy="457200"/>
           </a:xfrm>
           <a:prstGeom prst="rect">
             <a:avLst/>
@@ -3169,14 +3169,10 @@
           <a:p>
             <a:pPr algn="ctr"/>
             <a:r>
-              <a:rPr lang="en-US" dirty="0"/>
-              <a:t>w</a:t>
-            </a:r>
-            <a:r>
-              <a:rPr lang="en-US" dirty="0" smtClean="0"/>
-              <a:t>eight vector</a:t>
-            </a:r>
-            <a:endParaRPr lang="en-US" dirty="0"/>
+              <a:rPr lang="en-US" sz="1600" dirty="0" smtClean="0"/>
+              <a:t>Weight vector (perceptron)</a:t>
+            </a:r>
+            <a:endParaRPr lang="en-US" sz="1600" dirty="0"/>
           </a:p>
         </p:txBody>
       </p:sp>
@@ -3188,7 +3184,7 @@
         </p:nvSpPr>
         <p:spPr>
           <a:xfrm>
-            <a:off x="1866900" y="926068"/>
+            <a:off x="1733550" y="753070"/>
             <a:ext cx="1447800" cy="369332"/>
           </a:xfrm>
           <a:prstGeom prst="rect">
@@ -3213,14 +3209,12 @@
       <p:cxnSp>
         <p:nvCxnSpPr>
           <p:cNvPr id="8" name="Straight Arrow Connector 7"/>
-          <p:cNvCxnSpPr>
-            <a:endCxn id="5" idx="1"/>
-          </p:cNvCxnSpPr>
+          <p:cNvCxnSpPr/>
           <p:nvPr/>
         </p:nvCxnSpPr>
         <p:spPr>
           <a:xfrm>
-            <a:off x="990600" y="1752600"/>
+            <a:off x="723900" y="1752600"/>
             <a:ext cx="533400" cy="0"/>
           </a:xfrm>
           <a:prstGeom prst="straightConnector1">
@@ -3289,14 +3283,12 @@
       <p:cxnSp>
         <p:nvCxnSpPr>
           <p:cNvPr id="11" name="Straight Connector 10"/>
-          <p:cNvCxnSpPr>
-            <a:stCxn id="5" idx="3"/>
-          </p:cNvCxnSpPr>
+          <p:cNvCxnSpPr/>
           <p:nvPr/>
         </p:nvCxnSpPr>
         <p:spPr>
           <a:xfrm>
-            <a:off x="3657600" y="1752600"/>
+            <a:off x="3659186" y="1752600"/>
             <a:ext cx="2743200" cy="0"/>
           </a:xfrm>
           <a:prstGeom prst="line">
@@ -3858,6 +3850,36 @@
           </a:fontRef>
         </p:style>
       </p:cxnSp>
+      <p:sp>
+        <p:nvSpPr>
+          <p:cNvPr id="22" name="TextBox 21"/>
+          <p:cNvSpPr txBox="1"/>
+          <p:nvPr/>
+        </p:nvSpPr>
+        <p:spPr>
+          <a:xfrm>
+            <a:off x="723900" y="1367935"/>
+            <a:ext cx="495300" cy="369332"/>
+          </a:xfrm>
+          <a:prstGeom prst="rect">
+            <a:avLst/>
+          </a:prstGeom>
+          <a:noFill/>
+        </p:spPr>
+        <p:txBody>
+          <a:bodyPr wrap="square" rtlCol="0">
+            <a:spAutoFit/>
+          </a:bodyPr>
+          <a:lstStyle/>
+          <a:p>
+            <a:r>
+              <a:rPr lang="en-US" dirty="0" smtClean="0"/>
+              <a:t>PC</a:t>
+            </a:r>
+            <a:endParaRPr lang="en-US" dirty="0"/>
+          </a:p>
+        </p:txBody>
+      </p:sp>
     </p:spTree>
     <p:extLst>
       <p:ext uri="{BB962C8B-B14F-4D97-AF65-F5344CB8AC3E}">
